--- a/diagrams/uml/sequenceDiagrams/selfInvocation/callBack.pptx
+++ b/diagrams/uml/sequenceDiagrams/selfInvocation/callBack.pptx
@@ -161,7 +161,7 @@
           <a:lstStyle/>
           <a:p>
             <a:r>
-              <a:rPr lang="en-US" smtClean="0"/>
+              <a:rPr lang="en-US"/>
               <a:t>Click to edit Master title style</a:t>
             </a:r>
             <a:endParaRPr lang="en-SG"/>
@@ -280,7 +280,7 @@
           </a:lstStyle>
           <a:p>
             <a:r>
-              <a:rPr lang="en-US" smtClean="0"/>
+              <a:rPr lang="en-US"/>
               <a:t>Click to edit Master subtitle style</a:t>
             </a:r>
             <a:endParaRPr lang="en-SG"/>
@@ -304,7 +304,7 @@
           <a:p>
             <a:fld id="{4452D880-2273-4D43-A19E-DFED02881EAB}" type="datetimeFigureOut">
               <a:rPr lang="en-SG" smtClean="0"/>
-              <a:t>19/9/2017</a:t>
+              <a:t>9/1/2024</a:t>
             </a:fld>
             <a:endParaRPr lang="en-SG"/>
           </a:p>
@@ -398,7 +398,7 @@
           <a:lstStyle/>
           <a:p>
             <a:r>
-              <a:rPr lang="en-US" smtClean="0"/>
+              <a:rPr lang="en-US"/>
               <a:t>Click to edit Master title style</a:t>
             </a:r>
             <a:endParaRPr lang="en-SG"/>
@@ -422,35 +422,35 @@
           <a:p>
             <a:pPr lvl="0"/>
             <a:r>
-              <a:rPr lang="en-US" smtClean="0"/>
+              <a:rPr lang="en-US"/>
               <a:t>Click to edit Master text styles</a:t>
             </a:r>
           </a:p>
           <a:p>
             <a:pPr lvl="1"/>
             <a:r>
-              <a:rPr lang="en-US" smtClean="0"/>
+              <a:rPr lang="en-US"/>
               <a:t>Second level</a:t>
             </a:r>
           </a:p>
           <a:p>
             <a:pPr lvl="2"/>
             <a:r>
-              <a:rPr lang="en-US" smtClean="0"/>
+              <a:rPr lang="en-US"/>
               <a:t>Third level</a:t>
             </a:r>
           </a:p>
           <a:p>
             <a:pPr lvl="3"/>
             <a:r>
-              <a:rPr lang="en-US" smtClean="0"/>
+              <a:rPr lang="en-US"/>
               <a:t>Fourth level</a:t>
             </a:r>
           </a:p>
           <a:p>
             <a:pPr lvl="4"/>
             <a:r>
-              <a:rPr lang="en-US" smtClean="0"/>
+              <a:rPr lang="en-US"/>
               <a:t>Fifth level</a:t>
             </a:r>
             <a:endParaRPr lang="en-SG"/>
@@ -474,7 +474,7 @@
           <a:p>
             <a:fld id="{4452D880-2273-4D43-A19E-DFED02881EAB}" type="datetimeFigureOut">
               <a:rPr lang="en-SG" smtClean="0"/>
-              <a:t>19/9/2017</a:t>
+              <a:t>9/1/2024</a:t>
             </a:fld>
             <a:endParaRPr lang="en-SG"/>
           </a:p>
@@ -573,7 +573,7 @@
           <a:lstStyle/>
           <a:p>
             <a:r>
-              <a:rPr lang="en-US" smtClean="0"/>
+              <a:rPr lang="en-US"/>
               <a:t>Click to edit Master title style</a:t>
             </a:r>
             <a:endParaRPr lang="en-SG"/>
@@ -602,35 +602,35 @@
           <a:p>
             <a:pPr lvl="0"/>
             <a:r>
-              <a:rPr lang="en-US" smtClean="0"/>
+              <a:rPr lang="en-US"/>
               <a:t>Click to edit Master text styles</a:t>
             </a:r>
           </a:p>
           <a:p>
             <a:pPr lvl="1"/>
             <a:r>
-              <a:rPr lang="en-US" smtClean="0"/>
+              <a:rPr lang="en-US"/>
               <a:t>Second level</a:t>
             </a:r>
           </a:p>
           <a:p>
             <a:pPr lvl="2"/>
             <a:r>
-              <a:rPr lang="en-US" smtClean="0"/>
+              <a:rPr lang="en-US"/>
               <a:t>Third level</a:t>
             </a:r>
           </a:p>
           <a:p>
             <a:pPr lvl="3"/>
             <a:r>
-              <a:rPr lang="en-US" smtClean="0"/>
+              <a:rPr lang="en-US"/>
               <a:t>Fourth level</a:t>
             </a:r>
           </a:p>
           <a:p>
             <a:pPr lvl="4"/>
             <a:r>
-              <a:rPr lang="en-US" smtClean="0"/>
+              <a:rPr lang="en-US"/>
               <a:t>Fifth level</a:t>
             </a:r>
             <a:endParaRPr lang="en-SG"/>
@@ -654,7 +654,7 @@
           <a:p>
             <a:fld id="{4452D880-2273-4D43-A19E-DFED02881EAB}" type="datetimeFigureOut">
               <a:rPr lang="en-SG" smtClean="0"/>
-              <a:t>19/9/2017</a:t>
+              <a:t>9/1/2024</a:t>
             </a:fld>
             <a:endParaRPr lang="en-SG"/>
           </a:p>
@@ -748,7 +748,7 @@
           <a:lstStyle/>
           <a:p>
             <a:r>
-              <a:rPr lang="en-US" smtClean="0"/>
+              <a:rPr lang="en-US"/>
               <a:t>Click to edit Master title style</a:t>
             </a:r>
             <a:endParaRPr lang="en-SG"/>
@@ -772,35 +772,35 @@
           <a:p>
             <a:pPr lvl="0"/>
             <a:r>
-              <a:rPr lang="en-US" smtClean="0"/>
+              <a:rPr lang="en-US"/>
               <a:t>Click to edit Master text styles</a:t>
             </a:r>
           </a:p>
           <a:p>
             <a:pPr lvl="1"/>
             <a:r>
-              <a:rPr lang="en-US" smtClean="0"/>
+              <a:rPr lang="en-US"/>
               <a:t>Second level</a:t>
             </a:r>
           </a:p>
           <a:p>
             <a:pPr lvl="2"/>
             <a:r>
-              <a:rPr lang="en-US" smtClean="0"/>
+              <a:rPr lang="en-US"/>
               <a:t>Third level</a:t>
             </a:r>
           </a:p>
           <a:p>
             <a:pPr lvl="3"/>
             <a:r>
-              <a:rPr lang="en-US" smtClean="0"/>
+              <a:rPr lang="en-US"/>
               <a:t>Fourth level</a:t>
             </a:r>
           </a:p>
           <a:p>
             <a:pPr lvl="4"/>
             <a:r>
-              <a:rPr lang="en-US" smtClean="0"/>
+              <a:rPr lang="en-US"/>
               <a:t>Fifth level</a:t>
             </a:r>
             <a:endParaRPr lang="en-SG"/>
@@ -824,7 +824,7 @@
           <a:p>
             <a:fld id="{4452D880-2273-4D43-A19E-DFED02881EAB}" type="datetimeFigureOut">
               <a:rPr lang="en-SG" smtClean="0"/>
-              <a:t>19/9/2017</a:t>
+              <a:t>9/1/2024</a:t>
             </a:fld>
             <a:endParaRPr lang="en-SG"/>
           </a:p>
@@ -927,7 +927,7 @@
           </a:lstStyle>
           <a:p>
             <a:r>
-              <a:rPr lang="en-US" smtClean="0"/>
+              <a:rPr lang="en-US"/>
               <a:t>Click to edit Master title style</a:t>
             </a:r>
             <a:endParaRPr lang="en-SG"/>
@@ -1047,7 +1047,7 @@
           <a:p>
             <a:pPr lvl="0"/>
             <a:r>
-              <a:rPr lang="en-US" smtClean="0"/>
+              <a:rPr lang="en-US"/>
               <a:t>Click to edit Master text styles</a:t>
             </a:r>
           </a:p>
@@ -1070,7 +1070,7 @@
           <a:p>
             <a:fld id="{4452D880-2273-4D43-A19E-DFED02881EAB}" type="datetimeFigureOut">
               <a:rPr lang="en-SG" smtClean="0"/>
-              <a:t>19/9/2017</a:t>
+              <a:t>9/1/2024</a:t>
             </a:fld>
             <a:endParaRPr lang="en-SG"/>
           </a:p>
@@ -1164,7 +1164,7 @@
           <a:lstStyle/>
           <a:p>
             <a:r>
-              <a:rPr lang="en-US" smtClean="0"/>
+              <a:rPr lang="en-US"/>
               <a:t>Click to edit Master title style</a:t>
             </a:r>
             <a:endParaRPr lang="en-SG"/>
@@ -1221,35 +1221,35 @@
           <a:p>
             <a:pPr lvl="0"/>
             <a:r>
-              <a:rPr lang="en-US" smtClean="0"/>
+              <a:rPr lang="en-US"/>
               <a:t>Click to edit Master text styles</a:t>
             </a:r>
           </a:p>
           <a:p>
             <a:pPr lvl="1"/>
             <a:r>
-              <a:rPr lang="en-US" smtClean="0"/>
+              <a:rPr lang="en-US"/>
               <a:t>Second level</a:t>
             </a:r>
           </a:p>
           <a:p>
             <a:pPr lvl="2"/>
             <a:r>
-              <a:rPr lang="en-US" smtClean="0"/>
+              <a:rPr lang="en-US"/>
               <a:t>Third level</a:t>
             </a:r>
           </a:p>
           <a:p>
             <a:pPr lvl="3"/>
             <a:r>
-              <a:rPr lang="en-US" smtClean="0"/>
+              <a:rPr lang="en-US"/>
               <a:t>Fourth level</a:t>
             </a:r>
           </a:p>
           <a:p>
             <a:pPr lvl="4"/>
             <a:r>
-              <a:rPr lang="en-US" smtClean="0"/>
+              <a:rPr lang="en-US"/>
               <a:t>Fifth level</a:t>
             </a:r>
             <a:endParaRPr lang="en-SG"/>
@@ -1306,35 +1306,35 @@
           <a:p>
             <a:pPr lvl="0"/>
             <a:r>
-              <a:rPr lang="en-US" smtClean="0"/>
+              <a:rPr lang="en-US"/>
               <a:t>Click to edit Master text styles</a:t>
             </a:r>
           </a:p>
           <a:p>
             <a:pPr lvl="1"/>
             <a:r>
-              <a:rPr lang="en-US" smtClean="0"/>
+              <a:rPr lang="en-US"/>
               <a:t>Second level</a:t>
             </a:r>
           </a:p>
           <a:p>
             <a:pPr lvl="2"/>
             <a:r>
-              <a:rPr lang="en-US" smtClean="0"/>
+              <a:rPr lang="en-US"/>
               <a:t>Third level</a:t>
             </a:r>
           </a:p>
           <a:p>
             <a:pPr lvl="3"/>
             <a:r>
-              <a:rPr lang="en-US" smtClean="0"/>
+              <a:rPr lang="en-US"/>
               <a:t>Fourth level</a:t>
             </a:r>
           </a:p>
           <a:p>
             <a:pPr lvl="4"/>
             <a:r>
-              <a:rPr lang="en-US" smtClean="0"/>
+              <a:rPr lang="en-US"/>
               <a:t>Fifth level</a:t>
             </a:r>
             <a:endParaRPr lang="en-SG"/>
@@ -1358,7 +1358,7 @@
           <a:p>
             <a:fld id="{4452D880-2273-4D43-A19E-DFED02881EAB}" type="datetimeFigureOut">
               <a:rPr lang="en-SG" smtClean="0"/>
-              <a:t>19/9/2017</a:t>
+              <a:t>9/1/2024</a:t>
             </a:fld>
             <a:endParaRPr lang="en-SG"/>
           </a:p>
@@ -1456,7 +1456,7 @@
           </a:lstStyle>
           <a:p>
             <a:r>
-              <a:rPr lang="en-US" smtClean="0"/>
+              <a:rPr lang="en-US"/>
               <a:t>Click to edit Master title style</a:t>
             </a:r>
             <a:endParaRPr lang="en-SG"/>
@@ -1522,7 +1522,7 @@
           <a:p>
             <a:pPr lvl="0"/>
             <a:r>
-              <a:rPr lang="en-US" smtClean="0"/>
+              <a:rPr lang="en-US"/>
               <a:t>Click to edit Master text styles</a:t>
             </a:r>
           </a:p>
@@ -1578,35 +1578,35 @@
           <a:p>
             <a:pPr lvl="0"/>
             <a:r>
-              <a:rPr lang="en-US" smtClean="0"/>
+              <a:rPr lang="en-US"/>
               <a:t>Click to edit Master text styles</a:t>
             </a:r>
           </a:p>
           <a:p>
             <a:pPr lvl="1"/>
             <a:r>
-              <a:rPr lang="en-US" smtClean="0"/>
+              <a:rPr lang="en-US"/>
               <a:t>Second level</a:t>
             </a:r>
           </a:p>
           <a:p>
             <a:pPr lvl="2"/>
             <a:r>
-              <a:rPr lang="en-US" smtClean="0"/>
+              <a:rPr lang="en-US"/>
               <a:t>Third level</a:t>
             </a:r>
           </a:p>
           <a:p>
             <a:pPr lvl="3"/>
             <a:r>
-              <a:rPr lang="en-US" smtClean="0"/>
+              <a:rPr lang="en-US"/>
               <a:t>Fourth level</a:t>
             </a:r>
           </a:p>
           <a:p>
             <a:pPr lvl="4"/>
             <a:r>
-              <a:rPr lang="en-US" smtClean="0"/>
+              <a:rPr lang="en-US"/>
               <a:t>Fifth level</a:t>
             </a:r>
             <a:endParaRPr lang="en-SG"/>
@@ -1672,7 +1672,7 @@
           <a:p>
             <a:pPr lvl="0"/>
             <a:r>
-              <a:rPr lang="en-US" smtClean="0"/>
+              <a:rPr lang="en-US"/>
               <a:t>Click to edit Master text styles</a:t>
             </a:r>
           </a:p>
@@ -1728,35 +1728,35 @@
           <a:p>
             <a:pPr lvl="0"/>
             <a:r>
-              <a:rPr lang="en-US" smtClean="0"/>
+              <a:rPr lang="en-US"/>
               <a:t>Click to edit Master text styles</a:t>
             </a:r>
           </a:p>
           <a:p>
             <a:pPr lvl="1"/>
             <a:r>
-              <a:rPr lang="en-US" smtClean="0"/>
+              <a:rPr lang="en-US"/>
               <a:t>Second level</a:t>
             </a:r>
           </a:p>
           <a:p>
             <a:pPr lvl="2"/>
             <a:r>
-              <a:rPr lang="en-US" smtClean="0"/>
+              <a:rPr lang="en-US"/>
               <a:t>Third level</a:t>
             </a:r>
           </a:p>
           <a:p>
             <a:pPr lvl="3"/>
             <a:r>
-              <a:rPr lang="en-US" smtClean="0"/>
+              <a:rPr lang="en-US"/>
               <a:t>Fourth level</a:t>
             </a:r>
           </a:p>
           <a:p>
             <a:pPr lvl="4"/>
             <a:r>
-              <a:rPr lang="en-US" smtClean="0"/>
+              <a:rPr lang="en-US"/>
               <a:t>Fifth level</a:t>
             </a:r>
             <a:endParaRPr lang="en-SG"/>
@@ -1780,7 +1780,7 @@
           <a:p>
             <a:fld id="{4452D880-2273-4D43-A19E-DFED02881EAB}" type="datetimeFigureOut">
               <a:rPr lang="en-SG" smtClean="0"/>
-              <a:t>19/9/2017</a:t>
+              <a:t>9/1/2024</a:t>
             </a:fld>
             <a:endParaRPr lang="en-SG"/>
           </a:p>
@@ -1874,7 +1874,7 @@
           <a:lstStyle/>
           <a:p>
             <a:r>
-              <a:rPr lang="en-US" smtClean="0"/>
+              <a:rPr lang="en-US"/>
               <a:t>Click to edit Master title style</a:t>
             </a:r>
             <a:endParaRPr lang="en-SG"/>
@@ -1898,7 +1898,7 @@
           <a:p>
             <a:fld id="{4452D880-2273-4D43-A19E-DFED02881EAB}" type="datetimeFigureOut">
               <a:rPr lang="en-SG" smtClean="0"/>
-              <a:t>19/9/2017</a:t>
+              <a:t>9/1/2024</a:t>
             </a:fld>
             <a:endParaRPr lang="en-SG"/>
           </a:p>
@@ -1993,7 +1993,7 @@
           <a:p>
             <a:fld id="{4452D880-2273-4D43-A19E-DFED02881EAB}" type="datetimeFigureOut">
               <a:rPr lang="en-SG" smtClean="0"/>
-              <a:t>19/9/2017</a:t>
+              <a:t>9/1/2024</a:t>
             </a:fld>
             <a:endParaRPr lang="en-SG"/>
           </a:p>
@@ -2096,7 +2096,7 @@
           </a:lstStyle>
           <a:p>
             <a:r>
-              <a:rPr lang="en-US" smtClean="0"/>
+              <a:rPr lang="en-US"/>
               <a:t>Click to edit Master title style</a:t>
             </a:r>
             <a:endParaRPr lang="en-SG"/>
@@ -2153,35 +2153,35 @@
           <a:p>
             <a:pPr lvl="0"/>
             <a:r>
-              <a:rPr lang="en-US" smtClean="0"/>
+              <a:rPr lang="en-US"/>
               <a:t>Click to edit Master text styles</a:t>
             </a:r>
           </a:p>
           <a:p>
             <a:pPr lvl="1"/>
             <a:r>
-              <a:rPr lang="en-US" smtClean="0"/>
+              <a:rPr lang="en-US"/>
               <a:t>Second level</a:t>
             </a:r>
           </a:p>
           <a:p>
             <a:pPr lvl="2"/>
             <a:r>
-              <a:rPr lang="en-US" smtClean="0"/>
+              <a:rPr lang="en-US"/>
               <a:t>Third level</a:t>
             </a:r>
           </a:p>
           <a:p>
             <a:pPr lvl="3"/>
             <a:r>
-              <a:rPr lang="en-US" smtClean="0"/>
+              <a:rPr lang="en-US"/>
               <a:t>Fourth level</a:t>
             </a:r>
           </a:p>
           <a:p>
             <a:pPr lvl="4"/>
             <a:r>
-              <a:rPr lang="en-US" smtClean="0"/>
+              <a:rPr lang="en-US"/>
               <a:t>Fifth level</a:t>
             </a:r>
             <a:endParaRPr lang="en-SG"/>
@@ -2247,7 +2247,7 @@
           <a:p>
             <a:pPr lvl="0"/>
             <a:r>
-              <a:rPr lang="en-US" smtClean="0"/>
+              <a:rPr lang="en-US"/>
               <a:t>Click to edit Master text styles</a:t>
             </a:r>
           </a:p>
@@ -2270,7 +2270,7 @@
           <a:p>
             <a:fld id="{4452D880-2273-4D43-A19E-DFED02881EAB}" type="datetimeFigureOut">
               <a:rPr lang="en-SG" smtClean="0"/>
-              <a:t>19/9/2017</a:t>
+              <a:t>9/1/2024</a:t>
             </a:fld>
             <a:endParaRPr lang="en-SG"/>
           </a:p>
@@ -2373,7 +2373,7 @@
           </a:lstStyle>
           <a:p>
             <a:r>
-              <a:rPr lang="en-US" smtClean="0"/>
+              <a:rPr lang="en-US"/>
               <a:t>Click to edit Master title style</a:t>
             </a:r>
             <a:endParaRPr lang="en-SG"/>
@@ -2500,7 +2500,7 @@
           <a:p>
             <a:pPr lvl="0"/>
             <a:r>
-              <a:rPr lang="en-US" smtClean="0"/>
+              <a:rPr lang="en-US"/>
               <a:t>Click to edit Master text styles</a:t>
             </a:r>
           </a:p>
@@ -2523,7 +2523,7 @@
           <a:p>
             <a:fld id="{4452D880-2273-4D43-A19E-DFED02881EAB}" type="datetimeFigureOut">
               <a:rPr lang="en-SG" smtClean="0"/>
-              <a:t>19/9/2017</a:t>
+              <a:t>9/1/2024</a:t>
             </a:fld>
             <a:endParaRPr lang="en-SG"/>
           </a:p>
@@ -2632,7 +2632,7 @@
           <a:lstStyle/>
           <a:p>
             <a:r>
-              <a:rPr lang="en-US" smtClean="0"/>
+              <a:rPr lang="en-US"/>
               <a:t>Click to edit Master title style</a:t>
             </a:r>
             <a:endParaRPr lang="en-SG"/>
@@ -2666,35 +2666,35 @@
           <a:p>
             <a:pPr lvl="0"/>
             <a:r>
-              <a:rPr lang="en-US" smtClean="0"/>
+              <a:rPr lang="en-US"/>
               <a:t>Click to edit Master text styles</a:t>
             </a:r>
           </a:p>
           <a:p>
             <a:pPr lvl="1"/>
             <a:r>
-              <a:rPr lang="en-US" smtClean="0"/>
+              <a:rPr lang="en-US"/>
               <a:t>Second level</a:t>
             </a:r>
           </a:p>
           <a:p>
             <a:pPr lvl="2"/>
             <a:r>
-              <a:rPr lang="en-US" smtClean="0"/>
+              <a:rPr lang="en-US"/>
               <a:t>Third level</a:t>
             </a:r>
           </a:p>
           <a:p>
             <a:pPr lvl="3"/>
             <a:r>
-              <a:rPr lang="en-US" smtClean="0"/>
+              <a:rPr lang="en-US"/>
               <a:t>Fourth level</a:t>
             </a:r>
           </a:p>
           <a:p>
             <a:pPr lvl="4"/>
             <a:r>
-              <a:rPr lang="en-US" smtClean="0"/>
+              <a:rPr lang="en-US"/>
               <a:t>Fifth level</a:t>
             </a:r>
             <a:endParaRPr lang="en-SG"/>
@@ -2736,7 +2736,7 @@
           <a:p>
             <a:fld id="{4452D880-2273-4D43-A19E-DFED02881EAB}" type="datetimeFigureOut">
               <a:rPr lang="en-SG" smtClean="0"/>
-              <a:t>19/9/2017</a:t>
+              <a:t>9/1/2024</a:t>
             </a:fld>
             <a:endParaRPr lang="en-SG"/>
           </a:p>
@@ -3113,134 +3113,6 @@
       </p:grpSpPr>
       <p:sp>
         <p:nvSpPr>
-          <p:cNvPr id="31" name="Text Box 11"/>
-          <p:cNvSpPr txBox="1">
-            <a:spLocks noChangeArrowheads="1"/>
-          </p:cNvSpPr>
-          <p:nvPr/>
-        </p:nvSpPr>
-        <p:spPr bwMode="auto">
-          <a:xfrm>
-            <a:off x="5935411" y="1191671"/>
-            <a:ext cx="1287036" cy="738664"/>
-          </a:xfrm>
-          <a:prstGeom prst="rect">
-            <a:avLst/>
-          </a:prstGeom>
-          <a:ln>
-            <a:headEnd/>
-            <a:tailEnd/>
-          </a:ln>
-        </p:spPr>
-        <p:style>
-          <a:lnRef idx="1">
-            <a:schemeClr val="accent5"/>
-          </a:lnRef>
-          <a:fillRef idx="2">
-            <a:schemeClr val="accent5"/>
-          </a:fillRef>
-          <a:effectRef idx="1">
-            <a:schemeClr val="accent5"/>
-          </a:effectRef>
-          <a:fontRef idx="minor">
-            <a:schemeClr val="dk1"/>
-          </a:fontRef>
-        </p:style>
-        <p:txBody>
-          <a:bodyPr wrap="square" tIns="182880" bIns="182880">
-            <a:spAutoFit/>
-          </a:bodyPr>
-          <a:lstStyle/>
-          <a:p>
-            <a:pPr algn="ctr">
-              <a:spcBef>
-                <a:spcPct val="50000"/>
-              </a:spcBef>
-              <a:buFont typeface="Wingdings" pitchFamily="2" charset="2"/>
-              <a:buNone/>
-            </a:pPr>
-            <a:r>
-              <a:rPr lang="en-US" sz="2400" dirty="0" smtClean="0">
-                <a:solidFill>
-                  <a:prstClr val="black"/>
-                </a:solidFill>
-              </a:rPr>
-              <a:t>:Chapter</a:t>
-            </a:r>
-            <a:endParaRPr lang="en-US" sz="2400" dirty="0">
-              <a:solidFill>
-                <a:prstClr val="black"/>
-              </a:solidFill>
-            </a:endParaRPr>
-          </a:p>
-        </p:txBody>
-      </p:sp>
-      <p:sp>
-        <p:nvSpPr>
-          <p:cNvPr id="32" name="Text Box 11"/>
-          <p:cNvSpPr txBox="1">
-            <a:spLocks noChangeArrowheads="1"/>
-          </p:cNvSpPr>
-          <p:nvPr/>
-        </p:nvSpPr>
-        <p:spPr bwMode="auto">
-          <a:xfrm>
-            <a:off x="2592161" y="1220835"/>
-            <a:ext cx="1275861" cy="738664"/>
-          </a:xfrm>
-          <a:prstGeom prst="rect">
-            <a:avLst/>
-          </a:prstGeom>
-          <a:ln>
-            <a:headEnd/>
-            <a:tailEnd/>
-          </a:ln>
-        </p:spPr>
-        <p:style>
-          <a:lnRef idx="1">
-            <a:schemeClr val="accent2"/>
-          </a:lnRef>
-          <a:fillRef idx="2">
-            <a:schemeClr val="accent2"/>
-          </a:fillRef>
-          <a:effectRef idx="1">
-            <a:schemeClr val="accent2"/>
-          </a:effectRef>
-          <a:fontRef idx="minor">
-            <a:schemeClr val="dk1"/>
-          </a:fontRef>
-        </p:style>
-        <p:txBody>
-          <a:bodyPr wrap="square" tIns="182880" bIns="182880">
-            <a:spAutoFit/>
-          </a:bodyPr>
-          <a:lstStyle/>
-          <a:p>
-            <a:pPr algn="ctr">
-              <a:spcBef>
-                <a:spcPct val="50000"/>
-              </a:spcBef>
-              <a:buFont typeface="Wingdings" pitchFamily="2" charset="2"/>
-              <a:buNone/>
-            </a:pPr>
-            <a:r>
-              <a:rPr lang="en-US" sz="2400" dirty="0" smtClean="0">
-                <a:solidFill>
-                  <a:prstClr val="black"/>
-                </a:solidFill>
-              </a:rPr>
-              <a:t>:Book</a:t>
-            </a:r>
-            <a:endParaRPr lang="en-US" sz="2400" dirty="0">
-              <a:solidFill>
-                <a:prstClr val="black"/>
-              </a:solidFill>
-            </a:endParaRPr>
-          </a:p>
-        </p:txBody>
-      </p:sp>
-      <p:sp>
-        <p:nvSpPr>
           <p:cNvPr id="33" name="Line 13"/>
           <p:cNvSpPr>
             <a:spLocks noChangeShapeType="1"/>
@@ -3329,7 +3201,7 @@
           <a:lstStyle/>
           <a:p>
             <a:pPr algn="ctr"/>
-            <a:endParaRPr lang="en-US" dirty="0"/>
+            <a:endParaRPr lang="en-US" sz="2000" dirty="0"/>
           </a:p>
         </p:txBody>
       </p:sp>
@@ -3414,7 +3286,7 @@
           <a:bodyPr/>
           <a:lstStyle/>
           <a:p>
-            <a:endParaRPr lang="en-US" sz="2400">
+            <a:endParaRPr lang="en-US" sz="2000">
               <a:solidFill>
                 <a:prstClr val="black"/>
               </a:solidFill>
@@ -3465,7 +3337,7 @@
           <a:bodyPr/>
           <a:lstStyle/>
           <a:p>
-            <a:endParaRPr lang="en-US" sz="2400">
+            <a:endParaRPr lang="en-US" sz="2000">
               <a:solidFill>
                 <a:srgbClr val="000000"/>
               </a:solidFill>
@@ -3485,7 +3357,7 @@
         <p:spPr bwMode="auto">
           <a:xfrm>
             <a:off x="6472055" y="2878572"/>
-            <a:ext cx="285008" cy="1615044"/>
+            <a:ext cx="257177" cy="1558536"/>
           </a:xfrm>
           <a:prstGeom prst="rect">
             <a:avLst/>
@@ -3516,7 +3388,7 @@
           <a:bodyPr wrap="none" anchor="ctr"/>
           <a:lstStyle/>
           <a:p>
-            <a:endParaRPr lang="en-US" sz="2400">
+            <a:endParaRPr lang="en-US" sz="2000">
               <a:solidFill>
                 <a:srgbClr val="000000"/>
               </a:solidFill>
@@ -3535,7 +3407,7 @@
         </p:nvSpPr>
         <p:spPr bwMode="auto">
           <a:xfrm flipH="1">
-            <a:off x="3420097" y="4499776"/>
+            <a:off x="3432561" y="4440298"/>
             <a:ext cx="3039494" cy="0"/>
           </a:xfrm>
           <a:prstGeom prst="line">
@@ -3556,7 +3428,7 @@
           <a:bodyPr/>
           <a:lstStyle/>
           <a:p>
-            <a:endParaRPr lang="en-US" sz="2400">
+            <a:endParaRPr lang="en-US" sz="2000">
               <a:solidFill>
                 <a:prstClr val="black"/>
               </a:solidFill>
@@ -3603,7 +3475,7 @@
           <a:lstStyle/>
           <a:p>
             <a:pPr algn="ctr"/>
-            <a:endParaRPr lang="en-US"/>
+            <a:endParaRPr lang="en-US" sz="2000"/>
           </a:p>
         </p:txBody>
       </p:sp>
@@ -3638,7 +3510,7 @@
           <a:bodyPr/>
           <a:lstStyle/>
           <a:p>
-            <a:endParaRPr lang="en-US" sz="2400">
+            <a:endParaRPr lang="en-US" sz="2000">
               <a:solidFill>
                 <a:prstClr val="black"/>
               </a:solidFill>
@@ -3681,7 +3553,7 @@
         <p:spPr>
           <a:xfrm>
             <a:off x="1547664" y="2348623"/>
-            <a:ext cx="1037240" cy="369332"/>
+            <a:ext cx="1037240" cy="400110"/>
           </a:xfrm>
           <a:prstGeom prst="rect">
             <a:avLst/>
@@ -3695,10 +3567,9 @@
           <a:lstStyle/>
           <a:p>
             <a:r>
-              <a:rPr lang="en-US" dirty="0" smtClean="0"/>
+              <a:rPr lang="en-US" sz="2000" dirty="0"/>
               <a:t>write()</a:t>
             </a:r>
-            <a:endParaRPr lang="en-US" dirty="0"/>
           </a:p>
         </p:txBody>
       </p:sp>
@@ -3710,8 +3581,8 @@
         </p:nvSpPr>
         <p:spPr>
           <a:xfrm>
-            <a:off x="4456155" y="2503571"/>
-            <a:ext cx="1037240" cy="369332"/>
+            <a:off x="4715631" y="2509425"/>
+            <a:ext cx="1135812" cy="400110"/>
           </a:xfrm>
           <a:prstGeom prst="rect">
             <a:avLst/>
@@ -3725,14 +3596,13 @@
           <a:lstStyle/>
           <a:p>
             <a:r>
-              <a:rPr lang="en-US" dirty="0" err="1" smtClean="0"/>
+              <a:rPr lang="en-US" sz="2000" dirty="0" err="1"/>
               <a:t>getText</a:t>
             </a:r>
             <a:r>
-              <a:rPr lang="en-US" dirty="0" smtClean="0"/>
+              <a:rPr lang="en-US" sz="2000" dirty="0"/>
               <a:t>()</a:t>
             </a:r>
-            <a:endParaRPr lang="en-US" dirty="0"/>
           </a:p>
         </p:txBody>
       </p:sp>
@@ -3744,8 +3614,8 @@
         </p:nvSpPr>
         <p:spPr>
           <a:xfrm>
-            <a:off x="4453014" y="3095720"/>
-            <a:ext cx="1415130" cy="369332"/>
+            <a:off x="3814075" y="3100184"/>
+            <a:ext cx="1415130" cy="400110"/>
           </a:xfrm>
           <a:prstGeom prst="rect">
             <a:avLst/>
@@ -3759,14 +3629,131 @@
           <a:lstStyle/>
           <a:p>
             <a:r>
-              <a:rPr lang="en-US" dirty="0" err="1" smtClean="0"/>
+              <a:rPr lang="en-US" sz="2000" dirty="0" err="1"/>
               <a:t>getAuthor</a:t>
             </a:r>
             <a:r>
-              <a:rPr lang="en-US" dirty="0" smtClean="0"/>
+              <a:rPr lang="en-US" sz="2000" dirty="0"/>
               <a:t>()</a:t>
             </a:r>
-            <a:endParaRPr lang="en-US" dirty="0"/>
+          </a:p>
+        </p:txBody>
+      </p:sp>
+      <p:sp>
+        <p:nvSpPr>
+          <p:cNvPr id="31" name="Text Box 11"/>
+          <p:cNvSpPr txBox="1">
+            <a:spLocks noChangeArrowheads="1"/>
+          </p:cNvSpPr>
+          <p:nvPr/>
+        </p:nvSpPr>
+        <p:spPr bwMode="auto">
+          <a:xfrm>
+            <a:off x="5946319" y="1939236"/>
+            <a:ext cx="1287036" cy="380480"/>
+          </a:xfrm>
+          <a:prstGeom prst="rect">
+            <a:avLst/>
+          </a:prstGeom>
+          <a:ln>
+            <a:headEnd/>
+            <a:tailEnd/>
+          </a:ln>
+        </p:spPr>
+        <p:style>
+          <a:lnRef idx="1">
+            <a:schemeClr val="accent5"/>
+          </a:lnRef>
+          <a:fillRef idx="2">
+            <a:schemeClr val="accent5"/>
+          </a:fillRef>
+          <a:effectRef idx="1">
+            <a:schemeClr val="accent5"/>
+          </a:effectRef>
+          <a:fontRef idx="minor">
+            <a:schemeClr val="dk1"/>
+          </a:fontRef>
+        </p:style>
+        <p:txBody>
+          <a:bodyPr wrap="square" tIns="36000" bIns="36000">
+            <a:spAutoFit/>
+          </a:bodyPr>
+          <a:lstStyle/>
+          <a:p>
+            <a:pPr algn="ctr">
+              <a:spcBef>
+                <a:spcPct val="50000"/>
+              </a:spcBef>
+              <a:buFont typeface="Wingdings" pitchFamily="2" charset="2"/>
+              <a:buNone/>
+            </a:pPr>
+            <a:r>
+              <a:rPr lang="en-US" sz="2000" dirty="0">
+                <a:solidFill>
+                  <a:prstClr val="black"/>
+                </a:solidFill>
+              </a:rPr>
+              <a:t>:Chapter</a:t>
+            </a:r>
+          </a:p>
+        </p:txBody>
+      </p:sp>
+      <p:sp>
+        <p:nvSpPr>
+          <p:cNvPr id="32" name="Text Box 11"/>
+          <p:cNvSpPr txBox="1">
+            <a:spLocks noChangeArrowheads="1"/>
+          </p:cNvSpPr>
+          <p:nvPr/>
+        </p:nvSpPr>
+        <p:spPr bwMode="auto">
+          <a:xfrm>
+            <a:off x="2603069" y="1968400"/>
+            <a:ext cx="1275861" cy="380480"/>
+          </a:xfrm>
+          <a:prstGeom prst="rect">
+            <a:avLst/>
+          </a:prstGeom>
+          <a:ln>
+            <a:headEnd/>
+            <a:tailEnd/>
+          </a:ln>
+        </p:spPr>
+        <p:style>
+          <a:lnRef idx="1">
+            <a:schemeClr val="accent2"/>
+          </a:lnRef>
+          <a:fillRef idx="2">
+            <a:schemeClr val="accent2"/>
+          </a:fillRef>
+          <a:effectRef idx="1">
+            <a:schemeClr val="accent2"/>
+          </a:effectRef>
+          <a:fontRef idx="minor">
+            <a:schemeClr val="dk1"/>
+          </a:fontRef>
+        </p:style>
+        <p:txBody>
+          <a:bodyPr wrap="square" tIns="36000" bIns="36000">
+            <a:spAutoFit/>
+          </a:bodyPr>
+          <a:lstStyle/>
+          <a:p>
+            <a:pPr algn="ctr">
+              <a:spcBef>
+                <a:spcPct val="50000"/>
+              </a:spcBef>
+              <a:buFont typeface="Wingdings" pitchFamily="2" charset="2"/>
+              <a:buNone/>
+            </a:pPr>
+            <a:r>
+              <a:rPr lang="en-US" sz="2000" dirty="0">
+                <a:solidFill>
+                  <a:prstClr val="black"/>
+                </a:solidFill>
+              </a:rPr>
+              <a:t>:Book</a:t>
+            </a:r>
           </a:p>
         </p:txBody>
       </p:sp>
@@ -3780,13 +3767,6 @@
   <p:clrMapOvr>
     <a:masterClrMapping/>
   </p:clrMapOvr>
-  <p:timing>
-    <p:tnLst>
-      <p:par>
-        <p:cTn id="1" dur="indefinite" restart="never" nodeType="tmRoot"/>
-      </p:par>
-    </p:tnLst>
-  </p:timing>
 </p:sld>
 </file>
 
